--- a/High_Availability.pptx
+++ b/High_Availability.pptx
@@ -6,6 +6,7 @@
   </p:sldMasterIdLst>
   <p:sldIdLst>
     <p:sldId id="256" r:id="rId2"/>
+    <p:sldId id="257" r:id="rId3"/>
   </p:sldIdLst>
   <p:sldSz cx="12192000" cy="6858000"/>
   <p:notesSz cx="6858000" cy="9144000"/>
@@ -104,6 +105,11 @@
       </a:defRPr>
     </a:lvl9pPr>
   </p:defaultTextStyle>
+  <p:extLst>
+    <p:ext uri="{EFAFB233-063F-42B5-8137-9DF3F51BA10A}">
+      <p15:sldGuideLst xmlns:p15="http://schemas.microsoft.com/office/powerpoint/2012/main"/>
+    </p:ext>
+  </p:extLst>
 </p:presentation>
 </file>
 
@@ -3677,6 +3683,413 @@
 </p:sld>
 </file>
 
+<file path=ppt/slides/slide2.xml><?xml version="1.0" encoding="utf-8"?>
+<p:sld xmlns:a="http://schemas.openxmlformats.org/drawingml/2006/main" xmlns:r="http://schemas.openxmlformats.org/officeDocument/2006/relationships" xmlns:p="http://schemas.openxmlformats.org/presentationml/2006/main">
+  <p:cSld>
+    <p:spTree>
+      <p:nvGrpSpPr>
+        <p:cNvPr id="1" name=""/>
+        <p:cNvGrpSpPr/>
+        <p:nvPr/>
+      </p:nvGrpSpPr>
+      <p:grpSpPr>
+        <a:xfrm>
+          <a:off x="0" y="0"/>
+          <a:ext cx="0" cy="0"/>
+          <a:chOff x="0" y="0"/>
+          <a:chExt cx="0" cy="0"/>
+        </a:xfrm>
+      </p:grpSpPr>
+      <p:sp>
+        <p:nvSpPr>
+          <p:cNvPr id="4" name="TextBox 3">
+            <a:extLst>
+              <a:ext uri="{FF2B5EF4-FFF2-40B4-BE49-F238E27FC236}">
+                <a16:creationId xmlns:a16="http://schemas.microsoft.com/office/drawing/2014/main" id="{71ECD3ED-3365-9440-9C6F-F415FD46198B}"/>
+              </a:ext>
+            </a:extLst>
+          </p:cNvPr>
+          <p:cNvSpPr txBox="1"/>
+          <p:nvPr/>
+        </p:nvSpPr>
+        <p:spPr>
+          <a:xfrm>
+            <a:off x="0" y="0"/>
+            <a:ext cx="7174523" cy="523220"/>
+          </a:xfrm>
+          <a:prstGeom prst="rect">
+            <a:avLst/>
+          </a:prstGeom>
+          <a:noFill/>
+        </p:spPr>
+        <p:txBody>
+          <a:bodyPr wrap="square" rtlCol="0">
+            <a:spAutoFit/>
+          </a:bodyPr>
+          <a:lstStyle/>
+          <a:p>
+            <a:r>
+              <a:rPr lang="en-US" sz="2800" b="1" dirty="0"/>
+              <a:t>Consistent Hashing Explained </a:t>
+            </a:r>
+          </a:p>
+        </p:txBody>
+      </p:sp>
+      <p:sp>
+        <p:nvSpPr>
+          <p:cNvPr id="5" name="TextBox 4">
+            <a:extLst>
+              <a:ext uri="{FF2B5EF4-FFF2-40B4-BE49-F238E27FC236}">
+                <a16:creationId xmlns:a16="http://schemas.microsoft.com/office/drawing/2014/main" id="{F9C469A2-1EEB-2648-9B32-7EAE3E6D62D6}"/>
+              </a:ext>
+            </a:extLst>
+          </p:cNvPr>
+          <p:cNvSpPr txBox="1"/>
+          <p:nvPr/>
+        </p:nvSpPr>
+        <p:spPr>
+          <a:xfrm>
+            <a:off x="1" y="523220"/>
+            <a:ext cx="7057291" cy="5262979"/>
+          </a:xfrm>
+          <a:prstGeom prst="rect">
+            <a:avLst/>
+          </a:prstGeom>
+          <a:noFill/>
+        </p:spPr>
+        <p:txBody>
+          <a:bodyPr wrap="square" rtlCol="0">
+            <a:spAutoFit/>
+          </a:bodyPr>
+          <a:lstStyle/>
+          <a:p>
+            <a:r>
+              <a:rPr lang="en-US" sz="1400" dirty="0"/>
+              <a:t>Adapted from:</a:t>
+            </a:r>
+          </a:p>
+          <a:p>
+            <a:r>
+              <a:rPr lang="en-US" sz="1400" dirty="0"/>
+              <a:t>  - </a:t>
+            </a:r>
+            <a:r>
+              <a:rPr lang="en-US" sz="1400" dirty="0">
+                <a:hlinkClick r:id="rId2"/>
+              </a:rPr>
+              <a:t>https://www.mikeperham.com/2009/01/14/consistent-hashing-in-memcache-client/</a:t>
+            </a:r>
+            <a:endParaRPr lang="en-US" sz="1400" dirty="0"/>
+          </a:p>
+          <a:p>
+            <a:endParaRPr lang="en-US" sz="1400" dirty="0"/>
+          </a:p>
+          <a:p>
+            <a:r>
+              <a:rPr lang="en-US" sz="1400" dirty="0"/>
+              <a:t>How do we distribute requests from clients between several servers.</a:t>
+            </a:r>
+          </a:p>
+          <a:p>
+            <a:r>
+              <a:rPr lang="en-US" sz="1400" dirty="0"/>
+              <a:t>Suppose each client has a key. Or we generate a key based on its IP address and port.</a:t>
+            </a:r>
+          </a:p>
+          <a:p>
+            <a:r>
+              <a:rPr lang="en-US" sz="1400" dirty="0"/>
+              <a:t>Now we can hash the key to an integer and do a modulo based on the size of the server set. </a:t>
+            </a:r>
+          </a:p>
+          <a:p>
+            <a:endParaRPr lang="en-US" sz="1400" dirty="0"/>
+          </a:p>
+          <a:p>
+            <a:r>
+              <a:rPr lang="en-US" sz="1400" dirty="0"/>
+              <a:t>     </a:t>
+            </a:r>
+            <a:r>
+              <a:rPr lang="en-US" sz="1400" dirty="0" err="1"/>
+              <a:t>server_idx</a:t>
+            </a:r>
+            <a:r>
+              <a:rPr lang="en-US" sz="1400" dirty="0"/>
+              <a:t> = </a:t>
+            </a:r>
+            <a:r>
+              <a:rPr lang="en-US" sz="1400" dirty="0" err="1"/>
+              <a:t>int_hash</a:t>
+            </a:r>
+            <a:r>
+              <a:rPr lang="en-US" sz="1400" dirty="0"/>
+              <a:t>(key)    %    </a:t>
+            </a:r>
+            <a:r>
+              <a:rPr lang="en-US" sz="1400" dirty="0" err="1"/>
+              <a:t>N_servers</a:t>
+            </a:r>
+            <a:endParaRPr lang="en-US" sz="1400" dirty="0"/>
+          </a:p>
+          <a:p>
+            <a:endParaRPr lang="en-US" sz="1400" dirty="0"/>
+          </a:p>
+          <a:p>
+            <a:r>
+              <a:rPr lang="en-US" sz="1400" dirty="0"/>
+              <a:t>So for a given key we get the same server every time.</a:t>
+            </a:r>
+          </a:p>
+          <a:p>
+            <a:r>
+              <a:rPr lang="en-US" sz="1400" dirty="0"/>
+              <a:t>But what if one of the servers dies ?</a:t>
+            </a:r>
+          </a:p>
+          <a:p>
+            <a:r>
+              <a:rPr lang="en-US" sz="1400" dirty="0"/>
+              <a:t>Here is a better algorithm.</a:t>
+            </a:r>
+          </a:p>
+          <a:p>
+            <a:r>
+              <a:rPr lang="en-US" sz="1400" dirty="0"/>
+              <a:t>Instead of using modulo, we can use random numbers.</a:t>
+            </a:r>
+          </a:p>
+          <a:p>
+            <a:r>
+              <a:rPr lang="en-US" sz="1400" dirty="0"/>
+              <a:t>Suppose </a:t>
+            </a:r>
+            <a:r>
+              <a:rPr lang="en-US" sz="1400" dirty="0" err="1"/>
+              <a:t>N_servers</a:t>
+            </a:r>
+            <a:r>
+              <a:rPr lang="en-US" sz="1400" dirty="0"/>
+              <a:t>=20, and for each server we want 200 random numbers.</a:t>
+            </a:r>
+          </a:p>
+          <a:p>
+            <a:r>
+              <a:rPr lang="en-US" sz="1400" dirty="0"/>
+              <a:t>Total: 200*20=4,000 values</a:t>
+            </a:r>
+          </a:p>
+          <a:p>
+            <a:r>
+              <a:rPr lang="en-US" sz="1400" dirty="0"/>
+              <a:t>Let's take a big range of numbers [0,2^160] and put them on a circle.</a:t>
+            </a:r>
+          </a:p>
+          <a:p>
+            <a:r>
+              <a:rPr lang="en-US" sz="1400" dirty="0"/>
+              <a:t>Let's randomly choose 200 numbers for each server (no sharing, please).</a:t>
+            </a:r>
+          </a:p>
+          <a:p>
+            <a:r>
+              <a:rPr lang="en-US" sz="1400" dirty="0"/>
+              <a:t>So now on the circle we have 4,000 positions which correspond to servers.</a:t>
+            </a:r>
+          </a:p>
+          <a:p>
+            <a:endParaRPr lang="en-US" sz="1400" dirty="0"/>
+          </a:p>
+          <a:p>
+            <a:r>
+              <a:rPr lang="en-US" sz="1400" dirty="0"/>
+              <a:t>So now how we map a key to a server?</a:t>
+            </a:r>
+          </a:p>
+          <a:p>
+            <a:r>
+              <a:rPr lang="en-US" sz="1400" dirty="0"/>
+              <a:t>We use hash function to map key to some value in range up to 2^160.</a:t>
+            </a:r>
+          </a:p>
+          <a:p>
+            <a:r>
+              <a:rPr lang="en-US" sz="1400" dirty="0"/>
+              <a:t>We find corresponding position on the circle.</a:t>
+            </a:r>
+          </a:p>
+          <a:p>
+            <a:r>
+              <a:rPr lang="en-US" sz="1400" dirty="0"/>
+              <a:t>We move clockwise until we hit the first position corresponding to some server.</a:t>
+            </a:r>
+          </a:p>
+          <a:p>
+            <a:r>
+              <a:rPr lang="en-US" sz="1400" dirty="0"/>
+              <a:t>DONE.</a:t>
+            </a:r>
+          </a:p>
+        </p:txBody>
+      </p:sp>
+      <p:sp>
+        <p:nvSpPr>
+          <p:cNvPr id="6" name="TextBox 5">
+            <a:extLst>
+              <a:ext uri="{FF2B5EF4-FFF2-40B4-BE49-F238E27FC236}">
+                <a16:creationId xmlns:a16="http://schemas.microsoft.com/office/drawing/2014/main" id="{F411B6DE-2A80-2B4F-A421-C77C517C6CE3}"/>
+              </a:ext>
+            </a:extLst>
+          </p:cNvPr>
+          <p:cNvSpPr txBox="1"/>
+          <p:nvPr/>
+        </p:nvSpPr>
+        <p:spPr>
+          <a:xfrm>
+            <a:off x="6635262" y="4477386"/>
+            <a:ext cx="5556738" cy="2031325"/>
+          </a:xfrm>
+          <a:prstGeom prst="rect">
+            <a:avLst/>
+          </a:prstGeom>
+          <a:noFill/>
+        </p:spPr>
+        <p:txBody>
+          <a:bodyPr wrap="square" rtlCol="0">
+            <a:spAutoFit/>
+          </a:bodyPr>
+          <a:lstStyle/>
+          <a:p>
+            <a:r>
+              <a:rPr lang="en-US" sz="1400" dirty="0"/>
+              <a:t>Notes:</a:t>
+            </a:r>
+          </a:p>
+          <a:p>
+            <a:pPr marL="285750" indent="-285750">
+              <a:buFont typeface="Arial" panose="020B0604020202020204" pitchFamily="34" charset="0"/>
+              <a:buChar char="•"/>
+            </a:pPr>
+            <a:r>
+              <a:rPr lang="en-US" sz="1400" dirty="0"/>
+              <a:t>Randomness helps to avoid hotspots</a:t>
+            </a:r>
+          </a:p>
+          <a:p>
+            <a:pPr marL="285750" indent="-285750">
+              <a:buFont typeface="Arial" panose="020B0604020202020204" pitchFamily="34" charset="0"/>
+              <a:buChar char="•"/>
+            </a:pPr>
+            <a:r>
+              <a:rPr lang="en-US" sz="1400" dirty="0"/>
+              <a:t>Consistent Hashing Enables Partitioning</a:t>
+            </a:r>
+          </a:p>
+          <a:p>
+            <a:pPr marL="285750" indent="-285750">
+              <a:buFont typeface="Arial" panose="020B0604020202020204" pitchFamily="34" charset="0"/>
+              <a:buChar char="•"/>
+            </a:pPr>
+            <a:r>
+              <a:rPr lang="en-US" sz="1400" dirty="0"/>
+              <a:t>Partitioning Makes Scaling Up and Down More Predictable</a:t>
+            </a:r>
+          </a:p>
+          <a:p>
+            <a:pPr marL="285750" indent="-285750">
+              <a:buFont typeface="Arial" panose="020B0604020202020204" pitchFamily="34" charset="0"/>
+              <a:buChar char="•"/>
+            </a:pPr>
+            <a:r>
+              <a:rPr lang="en-US" sz="1400" dirty="0"/>
+              <a:t>Consistent Hashing and Partitioning Enable Replication</a:t>
+            </a:r>
+          </a:p>
+          <a:p>
+            <a:pPr marL="285750" indent="-285750">
+              <a:buFont typeface="Arial" panose="020B0604020202020204" pitchFamily="34" charset="0"/>
+              <a:buChar char="•"/>
+            </a:pPr>
+            <a:r>
+              <a:rPr lang="en-US" sz="1400" dirty="0"/>
+              <a:t>There doesn't need to be a master for any piece of data</a:t>
+            </a:r>
+          </a:p>
+          <a:p>
+            <a:pPr marL="285750" indent="-285750">
+              <a:buFont typeface="Arial" panose="020B0604020202020204" pitchFamily="34" charset="0"/>
+              <a:buChar char="•"/>
+            </a:pPr>
+            <a:r>
+              <a:rPr lang="en-US" sz="1400" dirty="0"/>
+              <a:t>Every node is simply a replica of a number of partitions</a:t>
+            </a:r>
+          </a:p>
+          <a:p>
+            <a:pPr marL="285750" indent="-285750">
+              <a:buFont typeface="Arial" panose="020B0604020202020204" pitchFamily="34" charset="0"/>
+              <a:buChar char="•"/>
+            </a:pPr>
+            <a:r>
+              <a:rPr lang="en-US" sz="1400" dirty="0"/>
+              <a:t>Replication Reduces Hotspots (Even More by using load-balancing)</a:t>
+            </a:r>
+          </a:p>
+          <a:p>
+            <a:pPr marL="285750" indent="-285750">
+              <a:buFont typeface="Arial" panose="020B0604020202020204" pitchFamily="34" charset="0"/>
+              <a:buChar char="•"/>
+            </a:pPr>
+            <a:r>
+              <a:rPr lang="en-US" sz="1400" dirty="0"/>
+              <a:t>Consistent Hashing Enables Scalability and Availability</a:t>
+            </a:r>
+          </a:p>
+        </p:txBody>
+      </p:sp>
+      <p:pic>
+        <p:nvPicPr>
+          <p:cNvPr id="8" name="Picture 7">
+            <a:extLst>
+              <a:ext uri="{FF2B5EF4-FFF2-40B4-BE49-F238E27FC236}">
+                <a16:creationId xmlns:a16="http://schemas.microsoft.com/office/drawing/2014/main" id="{3997E21B-480C-BD4A-AB9C-FE3E1D3AD6C6}"/>
+              </a:ext>
+            </a:extLst>
+          </p:cNvPr>
+          <p:cNvPicPr>
+            <a:picLocks noChangeAspect="1"/>
+          </p:cNvPicPr>
+          <p:nvPr/>
+        </p:nvPicPr>
+        <p:blipFill>
+          <a:blip r:embed="rId3"/>
+          <a:stretch>
+            <a:fillRect/>
+          </a:stretch>
+        </p:blipFill>
+        <p:spPr>
+          <a:xfrm>
+            <a:off x="6635261" y="532518"/>
+            <a:ext cx="5392615" cy="3683258"/>
+          </a:xfrm>
+          <a:prstGeom prst="rect">
+            <a:avLst/>
+          </a:prstGeom>
+        </p:spPr>
+      </p:pic>
+    </p:spTree>
+    <p:extLst>
+      <p:ext uri="{BB962C8B-B14F-4D97-AF65-F5344CB8AC3E}">
+        <p14:creationId xmlns:p14="http://schemas.microsoft.com/office/powerpoint/2010/main" val="3470806918"/>
+      </p:ext>
+    </p:extLst>
+  </p:cSld>
+  <p:clrMapOvr>
+    <a:masterClrMapping/>
+  </p:clrMapOvr>
+</p:sld>
+</file>
+
 <file path=ppt/theme/theme1.xml><?xml version="1.0" encoding="utf-8"?>
 <a:theme xmlns:a="http://schemas.openxmlformats.org/drawingml/2006/main" name="Office Theme">
   <a:themeElements>

--- a/High_Availability.pptx
+++ b/High_Availability.pptx
@@ -3377,7 +3377,7 @@
         <p:spPr>
           <a:xfrm>
             <a:off x="1" y="633045"/>
-            <a:ext cx="8053754" cy="5909310"/>
+            <a:ext cx="8053754" cy="5970865"/>
           </a:xfrm>
           <a:prstGeom prst="rect">
             <a:avLst/>
@@ -3540,7 +3540,20 @@
           <a:p>
             <a:r>
               <a:rPr lang="en-US" sz="1400" dirty="0"/>
-              <a:t>Original paper (1997):</a:t>
+              <a:t>  - </a:t>
+            </a:r>
+            <a:r>
+              <a:rPr lang="en-US" sz="1400" dirty="0">
+                <a:hlinkClick r:id="rId5"/>
+              </a:rPr>
+              <a:t>https://www.toptal.com/big-data/consistent-hashing</a:t>
+            </a:r>
+            <a:endParaRPr lang="en-US" sz="1400" dirty="0"/>
+          </a:p>
+          <a:p>
+            <a:r>
+              <a:rPr lang="en-US" sz="1400" dirty="0"/>
+              <a:t>Original paper (Karger et al, 1997):</a:t>
             </a:r>
           </a:p>
           <a:p>
@@ -3574,7 +3587,7 @@
           <p:nvPr/>
         </p:nvPicPr>
         <p:blipFill>
-          <a:blip r:embed="rId5" cstate="email">
+          <a:blip r:embed="rId6" cstate="email">
             <a:extLst>
               <a:ext uri="{28A0092B-C50C-407E-A947-70E740481C1C}">
                 <a14:useLocalDpi xmlns:a14="http://schemas.microsoft.com/office/drawing/2010/main"/>
@@ -3587,7 +3600,7 @@
         </p:blipFill>
         <p:spPr>
           <a:xfrm>
-            <a:off x="10093570" y="136686"/>
+            <a:off x="6846277" y="261610"/>
             <a:ext cx="2015880" cy="2610851"/>
           </a:xfrm>
           <a:prstGeom prst="rect">
@@ -3610,7 +3623,7 @@
           <p:nvPr/>
         </p:nvPicPr>
         <p:blipFill>
-          <a:blip r:embed="rId6" cstate="email">
+          <a:blip r:embed="rId7" cstate="email">
             <a:extLst>
               <a:ext uri="{28A0092B-C50C-407E-A947-70E740481C1C}">
                 <a14:useLocalDpi xmlns:a14="http://schemas.microsoft.com/office/drawing/2010/main"/>
@@ -3750,7 +3763,7 @@
         <p:spPr>
           <a:xfrm>
             <a:off x="1" y="523220"/>
-            <a:ext cx="7057291" cy="5262979"/>
+            <a:ext cx="7057291" cy="6340197"/>
           </a:xfrm>
           <a:prstGeom prst="rect">
             <a:avLst/>
@@ -3765,7 +3778,165 @@
           <a:p>
             <a:r>
               <a:rPr lang="en-US" sz="1400" dirty="0"/>
-              <a:t>Adapted from:</a:t>
+              <a:t>How do we distribute requests from clients between several servers.</a:t>
+            </a:r>
+          </a:p>
+          <a:p>
+            <a:r>
+              <a:rPr lang="en-US" sz="1400" dirty="0"/>
+              <a:t>Suppose each client has a key. Or we generate a key based on its IP address and port.</a:t>
+            </a:r>
+          </a:p>
+          <a:p>
+            <a:r>
+              <a:rPr lang="en-US" sz="1400" dirty="0"/>
+              <a:t>Now we can hash the key to an integer and do a modulo based on the size of the server set. </a:t>
+            </a:r>
+          </a:p>
+          <a:p>
+            <a:endParaRPr lang="en-US" sz="1400" dirty="0"/>
+          </a:p>
+          <a:p>
+            <a:r>
+              <a:rPr lang="en-US" sz="1400" dirty="0"/>
+              <a:t>     </a:t>
+            </a:r>
+            <a:r>
+              <a:rPr lang="en-US" sz="1400" dirty="0" err="1"/>
+              <a:t>server_id</a:t>
+            </a:r>
+            <a:r>
+              <a:rPr lang="en-US" sz="1400" dirty="0"/>
+              <a:t> = </a:t>
+            </a:r>
+            <a:r>
+              <a:rPr lang="en-US" sz="1400" dirty="0" err="1"/>
+              <a:t>int_hash</a:t>
+            </a:r>
+            <a:r>
+              <a:rPr lang="en-US" sz="1400" dirty="0"/>
+              <a:t>(key)    %    </a:t>
+            </a:r>
+            <a:r>
+              <a:rPr lang="en-US" sz="1400" dirty="0" err="1"/>
+              <a:t>N_servers</a:t>
+            </a:r>
+            <a:endParaRPr lang="en-US" sz="1400" dirty="0"/>
+          </a:p>
+          <a:p>
+            <a:endParaRPr lang="en-US" sz="1400" dirty="0"/>
+          </a:p>
+          <a:p>
+            <a:r>
+              <a:rPr lang="en-US" sz="1400" dirty="0"/>
+              <a:t>So for a given key we get the same server every time. Great!?</a:t>
+            </a:r>
+          </a:p>
+          <a:p>
+            <a:r>
+              <a:rPr lang="en-US" sz="1400" dirty="0"/>
+              <a:t>But what if one of the servers dies ?</a:t>
+            </a:r>
+          </a:p>
+          <a:p>
+            <a:r>
+              <a:rPr lang="en-US" sz="1400" dirty="0"/>
+              <a:t>Here is a better algorithm.</a:t>
+            </a:r>
+          </a:p>
+          <a:p>
+            <a:r>
+              <a:rPr lang="en-US" sz="1400" dirty="0"/>
+              <a:t>Instead of using modulo, we can use random numbers.</a:t>
+            </a:r>
+          </a:p>
+          <a:p>
+            <a:r>
+              <a:rPr lang="en-US" sz="1400" dirty="0"/>
+              <a:t>Suppose </a:t>
+            </a:r>
+            <a:r>
+              <a:rPr lang="en-US" sz="1400" dirty="0" err="1"/>
+              <a:t>N_servers</a:t>
+            </a:r>
+            <a:r>
+              <a:rPr lang="en-US" sz="1400" dirty="0"/>
+              <a:t>=20, and for each server we want 200 random numbers.</a:t>
+            </a:r>
+          </a:p>
+          <a:p>
+            <a:r>
+              <a:rPr lang="en-US" sz="1400" dirty="0"/>
+              <a:t>Total: 200*20=4,000 values – we will call them "virtual servers".</a:t>
+            </a:r>
+          </a:p>
+          <a:p>
+            <a:r>
+              <a:rPr lang="en-US" sz="1400" dirty="0"/>
+              <a:t>Let's take a big range of numbers [0 .. 2^160] and put them on a circle.</a:t>
+            </a:r>
+          </a:p>
+          <a:p>
+            <a:r>
+              <a:rPr lang="en-US" sz="1400" dirty="0"/>
+              <a:t>Let's randomly choose 200 numbers for each server (no sharing).</a:t>
+            </a:r>
+          </a:p>
+          <a:p>
+            <a:r>
+              <a:rPr lang="en-US" sz="1400" dirty="0"/>
+              <a:t>So now on the circle we have 4,000 positions of "virtual servers".</a:t>
+            </a:r>
+          </a:p>
+          <a:p>
+            <a:endParaRPr lang="en-US" sz="1400" dirty="0"/>
+          </a:p>
+          <a:p>
+            <a:r>
+              <a:rPr lang="en-US" sz="1400" dirty="0"/>
+              <a:t>So now how we map a key to a real server?</a:t>
+            </a:r>
+          </a:p>
+          <a:p>
+            <a:r>
+              <a:rPr lang="en-US" sz="1400" dirty="0"/>
+              <a:t>We use hash function to map a key to some value in range up to 2^160.</a:t>
+            </a:r>
+          </a:p>
+          <a:p>
+            <a:r>
+              <a:rPr lang="en-US" sz="1400" dirty="0"/>
+              <a:t>We find corresponding position on the circle.</a:t>
+            </a:r>
+          </a:p>
+          <a:p>
+            <a:r>
+              <a:rPr lang="en-US" sz="1400" dirty="0"/>
+              <a:t>We move (clockwise?) until we hit the first position corresponding </a:t>
+            </a:r>
+          </a:p>
+          <a:p>
+            <a:r>
+              <a:rPr lang="en-US" sz="1400" dirty="0"/>
+              <a:t>to some "virtual server". We map from this "virtual server" to actual server.</a:t>
+            </a:r>
+          </a:p>
+          <a:p>
+            <a:r>
+              <a:rPr lang="en-US" sz="1400" dirty="0"/>
+              <a:t>DONE.</a:t>
+            </a:r>
+          </a:p>
+          <a:p>
+            <a:endParaRPr lang="en-US" sz="1400" dirty="0"/>
+          </a:p>
+          <a:p>
+            <a:endParaRPr lang="en-US" sz="1400" dirty="0"/>
+          </a:p>
+          <a:p>
+            <a:r>
+              <a:rPr lang="en-US" sz="1400" dirty="0"/>
+              <a:t>Building a Consistent Hashing Ring (2011) – very good, with code in Python:</a:t>
             </a:r>
           </a:p>
           <a:p>
@@ -3777,158 +3948,39 @@
               <a:rPr lang="en-US" sz="1400" dirty="0">
                 <a:hlinkClick r:id="rId2"/>
               </a:rPr>
-              <a:t>https://www.mikeperham.com/2009/01/14/consistent-hashing-in-memcache-client/</a:t>
+              <a:t>https://docs.openstack.org/swift/latest/ring_background.html</a:t>
+            </a:r>
+            <a:r>
+              <a:rPr lang="en-US" sz="1400" dirty="0"/>
+              <a:t> </a:t>
+            </a:r>
+          </a:p>
+          <a:p>
+            <a:r>
+              <a:rPr lang="en-US" sz="1400" dirty="0"/>
+              <a:t>A Fast, Minimal Memory, Consistent Hash Algorithm (2014, Google)</a:t>
+            </a:r>
+          </a:p>
+          <a:p>
+            <a:r>
+              <a:rPr lang="en-US" sz="1400" dirty="0"/>
+              <a:t>  - by John Lamping, Eric </a:t>
+            </a:r>
+            <a:r>
+              <a:rPr lang="en-US" sz="1400" dirty="0" err="1"/>
+              <a:t>Veach</a:t>
+            </a:r>
+            <a:r>
+              <a:rPr lang="en-US" sz="1400" dirty="0"/>
+              <a:t> - </a:t>
+            </a:r>
+            <a:r>
+              <a:rPr lang="en-US" sz="1400" dirty="0">
+                <a:hlinkClick r:id="rId3"/>
+              </a:rPr>
+              <a:t>https://arxiv.org/abs/1406.2294</a:t>
             </a:r>
             <a:endParaRPr lang="en-US" sz="1400" dirty="0"/>
-          </a:p>
-          <a:p>
-            <a:endParaRPr lang="en-US" sz="1400" dirty="0"/>
-          </a:p>
-          <a:p>
-            <a:r>
-              <a:rPr lang="en-US" sz="1400" dirty="0"/>
-              <a:t>How do we distribute requests from clients between several servers.</a:t>
-            </a:r>
-          </a:p>
-          <a:p>
-            <a:r>
-              <a:rPr lang="en-US" sz="1400" dirty="0"/>
-              <a:t>Suppose each client has a key. Or we generate a key based on its IP address and port.</a:t>
-            </a:r>
-          </a:p>
-          <a:p>
-            <a:r>
-              <a:rPr lang="en-US" sz="1400" dirty="0"/>
-              <a:t>Now we can hash the key to an integer and do a modulo based on the size of the server set. </a:t>
-            </a:r>
-          </a:p>
-          <a:p>
-            <a:endParaRPr lang="en-US" sz="1400" dirty="0"/>
-          </a:p>
-          <a:p>
-            <a:r>
-              <a:rPr lang="en-US" sz="1400" dirty="0"/>
-              <a:t>     </a:t>
-            </a:r>
-            <a:r>
-              <a:rPr lang="en-US" sz="1400" dirty="0" err="1"/>
-              <a:t>server_idx</a:t>
-            </a:r>
-            <a:r>
-              <a:rPr lang="en-US" sz="1400" dirty="0"/>
-              <a:t> = </a:t>
-            </a:r>
-            <a:r>
-              <a:rPr lang="en-US" sz="1400" dirty="0" err="1"/>
-              <a:t>int_hash</a:t>
-            </a:r>
-            <a:r>
-              <a:rPr lang="en-US" sz="1400" dirty="0"/>
-              <a:t>(key)    %    </a:t>
-            </a:r>
-            <a:r>
-              <a:rPr lang="en-US" sz="1400" dirty="0" err="1"/>
-              <a:t>N_servers</a:t>
-            </a:r>
-            <a:endParaRPr lang="en-US" sz="1400" dirty="0"/>
-          </a:p>
-          <a:p>
-            <a:endParaRPr lang="en-US" sz="1400" dirty="0"/>
-          </a:p>
-          <a:p>
-            <a:r>
-              <a:rPr lang="en-US" sz="1400" dirty="0"/>
-              <a:t>So for a given key we get the same server every time.</a:t>
-            </a:r>
-          </a:p>
-          <a:p>
-            <a:r>
-              <a:rPr lang="en-US" sz="1400" dirty="0"/>
-              <a:t>But what if one of the servers dies ?</a:t>
-            </a:r>
-          </a:p>
-          <a:p>
-            <a:r>
-              <a:rPr lang="en-US" sz="1400" dirty="0"/>
-              <a:t>Here is a better algorithm.</a:t>
-            </a:r>
-          </a:p>
-          <a:p>
-            <a:r>
-              <a:rPr lang="en-US" sz="1400" dirty="0"/>
-              <a:t>Instead of using modulo, we can use random numbers.</a:t>
-            </a:r>
-          </a:p>
-          <a:p>
-            <a:r>
-              <a:rPr lang="en-US" sz="1400" dirty="0"/>
-              <a:t>Suppose </a:t>
-            </a:r>
-            <a:r>
-              <a:rPr lang="en-US" sz="1400" dirty="0" err="1"/>
-              <a:t>N_servers</a:t>
-            </a:r>
-            <a:r>
-              <a:rPr lang="en-US" sz="1400" dirty="0"/>
-              <a:t>=20, and for each server we want 200 random numbers.</a:t>
-            </a:r>
-          </a:p>
-          <a:p>
-            <a:r>
-              <a:rPr lang="en-US" sz="1400" dirty="0"/>
-              <a:t>Total: 200*20=4,000 values</a:t>
-            </a:r>
-          </a:p>
-          <a:p>
-            <a:r>
-              <a:rPr lang="en-US" sz="1400" dirty="0"/>
-              <a:t>Let's take a big range of numbers [0,2^160] and put them on a circle.</a:t>
-            </a:r>
-          </a:p>
-          <a:p>
-            <a:r>
-              <a:rPr lang="en-US" sz="1400" dirty="0"/>
-              <a:t>Let's randomly choose 200 numbers for each server (no sharing, please).</a:t>
-            </a:r>
-          </a:p>
-          <a:p>
-            <a:r>
-              <a:rPr lang="en-US" sz="1400" dirty="0"/>
-              <a:t>So now on the circle we have 4,000 positions which correspond to servers.</a:t>
-            </a:r>
-          </a:p>
-          <a:p>
-            <a:endParaRPr lang="en-US" sz="1400" dirty="0"/>
-          </a:p>
-          <a:p>
-            <a:r>
-              <a:rPr lang="en-US" sz="1400" dirty="0"/>
-              <a:t>So now how we map a key to a server?</a:t>
-            </a:r>
-          </a:p>
-          <a:p>
-            <a:r>
-              <a:rPr lang="en-US" sz="1400" dirty="0"/>
-              <a:t>We use hash function to map key to some value in range up to 2^160.</a:t>
-            </a:r>
-          </a:p>
-          <a:p>
-            <a:r>
-              <a:rPr lang="en-US" sz="1400" dirty="0"/>
-              <a:t>We find corresponding position on the circle.</a:t>
-            </a:r>
-          </a:p>
-          <a:p>
-            <a:r>
-              <a:rPr lang="en-US" sz="1400" dirty="0"/>
-              <a:t>We move clockwise until we hit the first position corresponding to some server.</a:t>
-            </a:r>
-          </a:p>
-          <a:p>
-            <a:r>
-              <a:rPr lang="en-US" sz="1400" dirty="0"/>
-              <a:t>DONE.</a:t>
-            </a:r>
           </a:p>
         </p:txBody>
       </p:sp>
@@ -4062,7 +4114,7 @@
           <p:nvPr/>
         </p:nvPicPr>
         <p:blipFill>
-          <a:blip r:embed="rId3"/>
+          <a:blip r:embed="rId4"/>
           <a:stretch>
             <a:fillRect/>
           </a:stretch>
@@ -4077,6 +4129,48 @@
           </a:prstGeom>
         </p:spPr>
       </p:pic>
+      <p:sp>
+        <p:nvSpPr>
+          <p:cNvPr id="2" name="TextBox 1">
+            <a:extLst>
+              <a:ext uri="{FF2B5EF4-FFF2-40B4-BE49-F238E27FC236}">
+                <a16:creationId xmlns:a16="http://schemas.microsoft.com/office/drawing/2014/main" id="{CAC5475D-F256-BF43-9DF4-397649695C67}"/>
+              </a:ext>
+            </a:extLst>
+          </p:cNvPr>
+          <p:cNvSpPr txBox="1"/>
+          <p:nvPr/>
+        </p:nvSpPr>
+        <p:spPr>
+          <a:xfrm>
+            <a:off x="6752494" y="32382"/>
+            <a:ext cx="5580184" cy="246221"/>
+          </a:xfrm>
+          <a:prstGeom prst="rect">
+            <a:avLst/>
+          </a:prstGeom>
+          <a:noFill/>
+        </p:spPr>
+        <p:txBody>
+          <a:bodyPr wrap="square" rtlCol="0">
+            <a:spAutoFit/>
+          </a:bodyPr>
+          <a:lstStyle/>
+          <a:p>
+            <a:r>
+              <a:rPr lang="en-US" sz="1000" dirty="0"/>
+              <a:t>Adapted from: - </a:t>
+            </a:r>
+            <a:r>
+              <a:rPr lang="en-US" sz="1000" dirty="0">
+                <a:hlinkClick r:id="rId5"/>
+              </a:rPr>
+              <a:t>https://www.mikeperham.com/2009/01/14/consistent-hashing-in-memcache-client/</a:t>
+            </a:r>
+            <a:endParaRPr lang="en-US" sz="1000" dirty="0"/>
+          </a:p>
+        </p:txBody>
+      </p:sp>
     </p:spTree>
     <p:extLst>
       <p:ext uri="{BB962C8B-B14F-4D97-AF65-F5344CB8AC3E}">
